--- a/Contenido/Semana 1/Día 4- OData.pptx
+++ b/Contenido/Semana 1/Día 4- OData.pptx
@@ -19078,7 +19078,7 @@
         <p:spPr>
           <a:xfrm>
             <a:off x="485225" y="348175"/>
-            <a:ext cx="7934400" cy="1092900"/>
+            <a:ext cx="7934400" cy="708000"/>
           </a:xfrm>
           <a:prstGeom prst="rect">
             <a:avLst/>
@@ -19101,11 +19101,7 @@
               <a:spcAft>
                 <a:spcPts val="0"/>
               </a:spcAft>
-              <a:buClr>
-                <a:schemeClr val="dk1"/>
-              </a:buClr>
               <a:buSzPts val="1100"/>
-              <a:buFont typeface="Arial"/>
               <a:buNone/>
             </a:pPr>
             <a:r>
@@ -19116,27 +19112,6 @@
                 <a:sym typeface="Arial"/>
               </a:rPr>
               <a:t>¿Que es OData?</a:t>
-            </a:r>
-            <a:endParaRPr sz="2800">
-              <a:latin typeface="Arial"/>
-              <a:ea typeface="Arial"/>
-              <a:cs typeface="Arial"/>
-              <a:sym typeface="Arial"/>
-            </a:endParaRPr>
-          </a:p>
-          <a:p>
-            <a:pPr indent="0" lvl="0" marL="0" rtl="0" algn="l">
-              <a:spcBef>
-                <a:spcPts val="0"/>
-              </a:spcBef>
-              <a:spcAft>
-                <a:spcPts val="0"/>
-              </a:spcAft>
-              <a:buSzPts val="990"/>
-              <a:buNone/>
-            </a:pPr>
-            <a:r>
-              <a:t/>
             </a:r>
             <a:endParaRPr sz="2500">
               <a:latin typeface="Arial"/>

--- a/Contenido/Semana 1/Día 4- OData.pptx
+++ b/Contenido/Semana 1/Día 4- OData.pptx
@@ -19078,7 +19078,7 @@
         <p:spPr>
           <a:xfrm>
             <a:off x="485225" y="348175"/>
-            <a:ext cx="7934400" cy="708000"/>
+            <a:ext cx="7934400" cy="431100"/>
           </a:xfrm>
           <a:prstGeom prst="rect">
             <a:avLst/>
@@ -19112,30 +19112,6 @@
                 <a:sym typeface="Arial"/>
               </a:rPr>
               <a:t>¿Que es OData?</a:t>
-            </a:r>
-            <a:endParaRPr sz="2500">
-              <a:latin typeface="Arial"/>
-              <a:ea typeface="Arial"/>
-              <a:cs typeface="Arial"/>
-              <a:sym typeface="Arial"/>
-            </a:endParaRPr>
-          </a:p>
-          <a:p>
-            <a:pPr indent="0" lvl="0" marL="0" rtl="0" algn="l">
-              <a:lnSpc>
-                <a:spcPct val="100000"/>
-              </a:lnSpc>
-              <a:spcBef>
-                <a:spcPts val="0"/>
-              </a:spcBef>
-              <a:spcAft>
-                <a:spcPts val="0"/>
-              </a:spcAft>
-              <a:buSzPts val="1400"/>
-              <a:buNone/>
-            </a:pPr>
-            <a:r>
-              <a:t/>
             </a:r>
             <a:endParaRPr/>
           </a:p>
@@ -24902,9 +24878,9 @@
 </file>
 
 <file path=ppt/theme/theme1.xml><?xml version="1.0" encoding="utf-8"?>
-<a:theme xmlns:a="http://schemas.openxmlformats.org/drawingml/2006/main" xmlns:r="http://schemas.openxmlformats.org/officeDocument/2006/relationships">
+<a:theme xmlns:a="http://schemas.openxmlformats.org/drawingml/2006/main" xmlns:r="http://schemas.openxmlformats.org/officeDocument/2006/relationships" name="Office Theme">
   <a:themeElements>
-    <a:clrScheme name="Default">
+    <a:clrScheme name="Office">
       <a:dk1>
         <a:srgbClr val="000000"/>
       </a:dk1>
@@ -24912,34 +24888,34 @@
         <a:srgbClr val="FFFFFF"/>
       </a:lt1>
       <a:dk2>
-        <a:srgbClr val="158158"/>
+        <a:srgbClr val="1F497D"/>
       </a:dk2>
       <a:lt2>
-        <a:srgbClr val="F3F3F3"/>
+        <a:srgbClr val="EEECE1"/>
       </a:lt2>
       <a:accent1>
-        <a:srgbClr val="058DC7"/>
+        <a:srgbClr val="4F81BD"/>
       </a:accent1>
       <a:accent2>
-        <a:srgbClr val="50B432"/>
+        <a:srgbClr val="C0504D"/>
       </a:accent2>
       <a:accent3>
-        <a:srgbClr val="ED561B"/>
+        <a:srgbClr val="9BBB59"/>
       </a:accent3>
       <a:accent4>
-        <a:srgbClr val="EDEF00"/>
+        <a:srgbClr val="8064A2"/>
       </a:accent4>
       <a:accent5>
-        <a:srgbClr val="24CBE5"/>
+        <a:srgbClr val="4BACC6"/>
       </a:accent5>
       <a:accent6>
-        <a:srgbClr val="64E572"/>
+        <a:srgbClr val="F79646"/>
       </a:accent6>
       <a:hlink>
-        <a:srgbClr val="2200CC"/>
+        <a:srgbClr val="0000FF"/>
       </a:hlink>
       <a:folHlink>
-        <a:srgbClr val="551A8B"/>
+        <a:srgbClr val="800080"/>
       </a:folHlink>
     </a:clrScheme>
     <a:fontScheme name="Office">
@@ -25181,9 +25157,9 @@
 </file>
 
 <file path=ppt/theme/theme2.xml><?xml version="1.0" encoding="utf-8"?>
-<a:theme xmlns:a="http://schemas.openxmlformats.org/drawingml/2006/main" xmlns:r="http://schemas.openxmlformats.org/officeDocument/2006/relationships" name="Office Theme">
+<a:theme xmlns:a="http://schemas.openxmlformats.org/drawingml/2006/main" xmlns:r="http://schemas.openxmlformats.org/officeDocument/2006/relationships">
   <a:themeElements>
-    <a:clrScheme name="Office">
+    <a:clrScheme name="Default">
       <a:dk1>
         <a:srgbClr val="000000"/>
       </a:dk1>
@@ -25191,34 +25167,34 @@
         <a:srgbClr val="FFFFFF"/>
       </a:lt1>
       <a:dk2>
-        <a:srgbClr val="1F497D"/>
+        <a:srgbClr val="158158"/>
       </a:dk2>
       <a:lt2>
-        <a:srgbClr val="EEECE1"/>
+        <a:srgbClr val="F3F3F3"/>
       </a:lt2>
       <a:accent1>
-        <a:srgbClr val="4F81BD"/>
+        <a:srgbClr val="058DC7"/>
       </a:accent1>
       <a:accent2>
-        <a:srgbClr val="C0504D"/>
+        <a:srgbClr val="50B432"/>
       </a:accent2>
       <a:accent3>
-        <a:srgbClr val="9BBB59"/>
+        <a:srgbClr val="ED561B"/>
       </a:accent3>
       <a:accent4>
-        <a:srgbClr val="8064A2"/>
+        <a:srgbClr val="EDEF00"/>
       </a:accent4>
       <a:accent5>
-        <a:srgbClr val="4BACC6"/>
+        <a:srgbClr val="24CBE5"/>
       </a:accent5>
       <a:accent6>
-        <a:srgbClr val="F79646"/>
+        <a:srgbClr val="64E572"/>
       </a:accent6>
       <a:hlink>
-        <a:srgbClr val="0000FF"/>
+        <a:srgbClr val="2200CC"/>
       </a:hlink>
       <a:folHlink>
-        <a:srgbClr val="800080"/>
+        <a:srgbClr val="551A8B"/>
       </a:folHlink>
     </a:clrScheme>
     <a:fontScheme name="Office">
